--- a/103主是偉大.pptx
+++ b/103主是偉大.pptx
@@ -109,6 +109,11 @@
       </a:defRPr>
     </a:lvl9pPr>
   </p:defaultTextStyle>
+  <p:extLst>
+    <p:ext uri="{EFAFB233-063F-42B5-8137-9DF3F51BA10A}">
+      <p15:sldGuideLst xmlns:p15="http://schemas.microsoft.com/office/powerpoint/2012/main"/>
+    </p:ext>
+  </p:extLst>
 </p:presentation>
 </file>
 
@@ -293,7 +298,7 @@
           <a:p>
             <a:fld id="{7C50449A-B908-4AFC-B6D8-4CD18DAA99DA}" type="datetimeFigureOut">
               <a:rPr lang="vi-VN" smtClean="0"/>
-              <a:t>13/08/2020</a:t>
+              <a:t>28/10/2021</a:t>
             </a:fld>
             <a:endParaRPr lang="vi-VN"/>
           </a:p>
@@ -463,7 +468,7 @@
           <a:p>
             <a:fld id="{7C50449A-B908-4AFC-B6D8-4CD18DAA99DA}" type="datetimeFigureOut">
               <a:rPr lang="vi-VN" smtClean="0"/>
-              <a:t>13/08/2020</a:t>
+              <a:t>28/10/2021</a:t>
             </a:fld>
             <a:endParaRPr lang="vi-VN"/>
           </a:p>
@@ -643,7 +648,7 @@
           <a:p>
             <a:fld id="{7C50449A-B908-4AFC-B6D8-4CD18DAA99DA}" type="datetimeFigureOut">
               <a:rPr lang="vi-VN" smtClean="0"/>
-              <a:t>13/08/2020</a:t>
+              <a:t>28/10/2021</a:t>
             </a:fld>
             <a:endParaRPr lang="vi-VN"/>
           </a:p>
@@ -813,7 +818,7 @@
           <a:p>
             <a:fld id="{7C50449A-B908-4AFC-B6D8-4CD18DAA99DA}" type="datetimeFigureOut">
               <a:rPr lang="vi-VN" smtClean="0"/>
-              <a:t>13/08/2020</a:t>
+              <a:t>28/10/2021</a:t>
             </a:fld>
             <a:endParaRPr lang="vi-VN"/>
           </a:p>
@@ -1059,7 +1064,7 @@
           <a:p>
             <a:fld id="{7C50449A-B908-4AFC-B6D8-4CD18DAA99DA}" type="datetimeFigureOut">
               <a:rPr lang="vi-VN" smtClean="0"/>
-              <a:t>13/08/2020</a:t>
+              <a:t>28/10/2021</a:t>
             </a:fld>
             <a:endParaRPr lang="vi-VN"/>
           </a:p>
@@ -1347,7 +1352,7 @@
           <a:p>
             <a:fld id="{7C50449A-B908-4AFC-B6D8-4CD18DAA99DA}" type="datetimeFigureOut">
               <a:rPr lang="vi-VN" smtClean="0"/>
-              <a:t>13/08/2020</a:t>
+              <a:t>28/10/2021</a:t>
             </a:fld>
             <a:endParaRPr lang="vi-VN"/>
           </a:p>
@@ -1769,7 +1774,7 @@
           <a:p>
             <a:fld id="{7C50449A-B908-4AFC-B6D8-4CD18DAA99DA}" type="datetimeFigureOut">
               <a:rPr lang="vi-VN" smtClean="0"/>
-              <a:t>13/08/2020</a:t>
+              <a:t>28/10/2021</a:t>
             </a:fld>
             <a:endParaRPr lang="vi-VN"/>
           </a:p>
@@ -1887,7 +1892,7 @@
           <a:p>
             <a:fld id="{7C50449A-B908-4AFC-B6D8-4CD18DAA99DA}" type="datetimeFigureOut">
               <a:rPr lang="vi-VN" smtClean="0"/>
-              <a:t>13/08/2020</a:t>
+              <a:t>28/10/2021</a:t>
             </a:fld>
             <a:endParaRPr lang="vi-VN"/>
           </a:p>
@@ -1982,7 +1987,7 @@
           <a:p>
             <a:fld id="{7C50449A-B908-4AFC-B6D8-4CD18DAA99DA}" type="datetimeFigureOut">
               <a:rPr lang="vi-VN" smtClean="0"/>
-              <a:t>13/08/2020</a:t>
+              <a:t>28/10/2021</a:t>
             </a:fld>
             <a:endParaRPr lang="vi-VN"/>
           </a:p>
@@ -2259,7 +2264,7 @@
           <a:p>
             <a:fld id="{7C50449A-B908-4AFC-B6D8-4CD18DAA99DA}" type="datetimeFigureOut">
               <a:rPr lang="vi-VN" smtClean="0"/>
-              <a:t>13/08/2020</a:t>
+              <a:t>28/10/2021</a:t>
             </a:fld>
             <a:endParaRPr lang="vi-VN"/>
           </a:p>
@@ -2516,7 +2521,7 @@
           <a:p>
             <a:fld id="{7C50449A-B908-4AFC-B6D8-4CD18DAA99DA}" type="datetimeFigureOut">
               <a:rPr lang="vi-VN" smtClean="0"/>
-              <a:t>13/08/2020</a:t>
+              <a:t>28/10/2021</a:t>
             </a:fld>
             <a:endParaRPr lang="vi-VN"/>
           </a:p>
@@ -2734,7 +2739,7 @@
           <a:p>
             <a:fld id="{7C50449A-B908-4AFC-B6D8-4CD18DAA99DA}" type="datetimeFigureOut">
               <a:rPr lang="vi-VN" smtClean="0"/>
-              <a:t>13/08/2020</a:t>
+              <a:t>28/10/2021</a:t>
             </a:fld>
             <a:endParaRPr lang="vi-VN"/>
           </a:p>
@@ -3200,17 +3205,7 @@
                 <a:latin typeface="微軟正黑體" pitchFamily="34" charset="-120"/>
                 <a:ea typeface="微軟正黑體" pitchFamily="34" charset="-120"/>
               </a:rPr>
-              <a:t>145 </a:t>
-            </a:r>
-            <a:r>
-              <a:rPr lang="en-US" altLang="zh-CN" b="1" dirty="0" smtClean="0">
-                <a:solidFill>
-                  <a:srgbClr val="000066"/>
-                </a:solidFill>
-                <a:latin typeface="微軟正黑體" pitchFamily="34" charset="-120"/>
-                <a:ea typeface="微軟正黑體" pitchFamily="34" charset="-120"/>
-              </a:rPr>
-              <a:t>: </a:t>
+              <a:t>145 : </a:t>
             </a:r>
             <a:r>
               <a:rPr lang="en-US" altLang="zh-CN" b="1" dirty="0">
@@ -3309,7 +3304,87 @@
                 <a:latin typeface="微軟正黑體" pitchFamily="34" charset="-120"/>
                 <a:ea typeface="微軟正黑體" pitchFamily="34" charset="-120"/>
               </a:rPr>
-              <a:t>我的神我的王啊，我要尊崇你！我要永永遠遠稱頌你的名！</a:t>
+              <a:t>我的神我的王啊，我要尊</a:t>
+            </a:r>
+            <a:r>
+              <a:rPr lang="zh-TW" altLang="en-US" sz="6400" dirty="0" smtClean="0">
+                <a:solidFill>
+                  <a:srgbClr val="000066"/>
+                </a:solidFill>
+                <a:latin typeface="微軟正黑體" pitchFamily="34" charset="-120"/>
+                <a:ea typeface="微軟正黑體" pitchFamily="34" charset="-120"/>
+              </a:rPr>
+              <a:t>崇</a:t>
+            </a:r>
+            <a:r>
+              <a:rPr lang="zh-CN" altLang="en-US" sz="6400" dirty="0" smtClean="0">
+                <a:solidFill>
+                  <a:srgbClr val="000066"/>
+                </a:solidFill>
+                <a:latin typeface="微軟正黑體" pitchFamily="34" charset="-120"/>
+                <a:ea typeface="微軟正黑體" pitchFamily="34" charset="-120"/>
+              </a:rPr>
+              <a:t>袮</a:t>
+            </a:r>
+            <a:r>
+              <a:rPr lang="zh-TW" altLang="en-US" sz="6400" dirty="0" smtClean="0">
+                <a:solidFill>
+                  <a:srgbClr val="000066"/>
+                </a:solidFill>
+                <a:latin typeface="微軟正黑體" pitchFamily="34" charset="-120"/>
+                <a:ea typeface="微軟正黑體" pitchFamily="34" charset="-120"/>
+              </a:rPr>
+              <a:t>！</a:t>
+            </a:r>
+            <a:r>
+              <a:rPr lang="zh-TW" altLang="en-US" sz="6400" dirty="0">
+                <a:solidFill>
+                  <a:srgbClr val="000066"/>
+                </a:solidFill>
+                <a:latin typeface="微軟正黑體" pitchFamily="34" charset="-120"/>
+                <a:ea typeface="微軟正黑體" pitchFamily="34" charset="-120"/>
+              </a:rPr>
+              <a:t>我要永永遠遠稱</a:t>
+            </a:r>
+            <a:r>
+              <a:rPr lang="zh-TW" altLang="en-US" sz="6400" dirty="0" smtClean="0">
+                <a:solidFill>
+                  <a:srgbClr val="000066"/>
+                </a:solidFill>
+                <a:latin typeface="微軟正黑體" pitchFamily="34" charset="-120"/>
+                <a:ea typeface="微軟正黑體" pitchFamily="34" charset="-120"/>
+              </a:rPr>
+              <a:t>頌</a:t>
+            </a:r>
+            <a:r>
+              <a:rPr lang="zh-CN" altLang="en-US" sz="6400" dirty="0">
+                <a:solidFill>
+                  <a:srgbClr val="000066"/>
+                </a:solidFill>
+                <a:latin typeface="微軟正黑體" pitchFamily="34" charset="-120"/>
+                <a:ea typeface="微軟正黑體" pitchFamily="34" charset="-120"/>
+              </a:rPr>
+              <a:t>袮</a:t>
+            </a:r>
+            <a:r>
+              <a:rPr lang="zh-TW" altLang="en-US" sz="6400" dirty="0" smtClean="0">
+                <a:solidFill>
+                  <a:srgbClr val="000066"/>
+                </a:solidFill>
+                <a:latin typeface="微軟正黑體" pitchFamily="34" charset="-120"/>
+                <a:ea typeface="微軟正黑體" pitchFamily="34" charset="-120"/>
+              </a:rPr>
+              <a:t>的</a:t>
+            </a:r>
+            <a:r>
+              <a:rPr lang="zh-TW" altLang="en-US" sz="6400" dirty="0">
+                <a:solidFill>
+                  <a:srgbClr val="000066"/>
+                </a:solidFill>
+                <a:latin typeface="微軟正黑體" pitchFamily="34" charset="-120"/>
+                <a:ea typeface="微軟正黑體" pitchFamily="34" charset="-120"/>
+              </a:rPr>
+              <a:t>名！</a:t>
             </a:r>
             <a:r>
               <a:rPr lang="zh-TW" altLang="en-US" dirty="0"/>
@@ -3325,7 +3400,37 @@
                 <a:latin typeface="微軟正黑體" pitchFamily="34" charset="-120"/>
                 <a:ea typeface="微軟正黑體" pitchFamily="34" charset="-120"/>
               </a:rPr>
-              <a:t>我</a:t>
+              <a:t>我要天天稱</a:t>
+            </a:r>
+            <a:r>
+              <a:rPr lang="zh-TW" altLang="en-US" sz="6400" b="1" dirty="0" smtClean="0">
+                <a:solidFill>
+                  <a:srgbClr val="000066"/>
+                </a:solidFill>
+                <a:latin typeface="微軟正黑體" pitchFamily="34" charset="-120"/>
+                <a:ea typeface="微軟正黑體" pitchFamily="34" charset="-120"/>
+              </a:rPr>
+              <a:t>頌</a:t>
+            </a:r>
+            <a:r>
+              <a:rPr lang="zh-CN" altLang="en-US" sz="6400" b="1" dirty="0" smtClean="0">
+                <a:solidFill>
+                  <a:srgbClr val="000066"/>
+                </a:solidFill>
+                <a:latin typeface="微軟正黑體" pitchFamily="34" charset="-120"/>
+                <a:ea typeface="微軟正黑體" pitchFamily="34" charset="-120"/>
+              </a:rPr>
+              <a:t>袮</a:t>
+            </a:r>
+            <a:r>
+              <a:rPr lang="zh-TW" altLang="en-US" sz="6400" b="1" dirty="0" smtClean="0">
+                <a:solidFill>
+                  <a:srgbClr val="000066"/>
+                </a:solidFill>
+                <a:latin typeface="微軟正黑體" pitchFamily="34" charset="-120"/>
+                <a:ea typeface="微軟正黑體" pitchFamily="34" charset="-120"/>
+              </a:rPr>
+              <a:t>，</a:t>
             </a:r>
             <a:r>
               <a:rPr lang="zh-TW" altLang="en-US" sz="6400" b="1" dirty="0">
@@ -3335,7 +3440,47 @@
                 <a:latin typeface="微軟正黑體" pitchFamily="34" charset="-120"/>
                 <a:ea typeface="微軟正黑體" pitchFamily="34" charset="-120"/>
               </a:rPr>
-              <a:t>要天天稱頌你，也要永永遠遠讚美你的名</a:t>
+              <a:t>也要永永遠遠讚</a:t>
+            </a:r>
+            <a:r>
+              <a:rPr lang="zh-TW" altLang="en-US" sz="6400" b="1" dirty="0" smtClean="0">
+                <a:solidFill>
+                  <a:srgbClr val="000066"/>
+                </a:solidFill>
+                <a:latin typeface="微軟正黑體" pitchFamily="34" charset="-120"/>
+                <a:ea typeface="微軟正黑體" pitchFamily="34" charset="-120"/>
+              </a:rPr>
+              <a:t>美</a:t>
+            </a:r>
+            <a:r>
+              <a:rPr lang="zh-CN" altLang="en-US" sz="6400" b="1" dirty="0">
+                <a:solidFill>
+                  <a:srgbClr val="000066"/>
+                </a:solidFill>
+                <a:latin typeface="微軟正黑體" pitchFamily="34" charset="-120"/>
+                <a:ea typeface="微軟正黑體" pitchFamily="34" charset="-120"/>
+              </a:rPr>
+              <a:t>袮</a:t>
+            </a:r>
+            <a:r>
+              <a:rPr lang="zh-TW" altLang="en-US" sz="6400" b="1" dirty="0" smtClean="0">
+                <a:solidFill>
+                  <a:srgbClr val="000066"/>
+                </a:solidFill>
+                <a:latin typeface="微軟正黑體" pitchFamily="34" charset="-120"/>
+                <a:ea typeface="微軟正黑體" pitchFamily="34" charset="-120"/>
+              </a:rPr>
+              <a:t>的</a:t>
+            </a:r>
+            <a:r>
+              <a:rPr lang="zh-TW" altLang="en-US" sz="6400" b="1" dirty="0">
+                <a:solidFill>
+                  <a:srgbClr val="000066"/>
+                </a:solidFill>
+                <a:latin typeface="微軟正黑體" pitchFamily="34" charset="-120"/>
+                <a:ea typeface="微軟正黑體" pitchFamily="34" charset="-120"/>
+              </a:rPr>
+              <a:t>名</a:t>
             </a:r>
             <a:r>
               <a:rPr lang="zh-TW" altLang="en-US" sz="6400" b="1" dirty="0" smtClean="0">
@@ -3443,7 +3588,87 @@
                 <a:latin typeface="微軟正黑體" pitchFamily="34" charset="-120"/>
                 <a:ea typeface="微軟正黑體" pitchFamily="34" charset="-120"/>
               </a:rPr>
-              <a:t>這代要對那代頌讚你的作為，也要傳揚你的大能。 </a:t>
+              <a:t>這代要對那代頌</a:t>
+            </a:r>
+            <a:r>
+              <a:rPr lang="zh-TW" altLang="en-US" sz="6400" b="1" dirty="0" smtClean="0">
+                <a:solidFill>
+                  <a:srgbClr val="000066"/>
+                </a:solidFill>
+                <a:latin typeface="微軟正黑體" pitchFamily="34" charset="-120"/>
+                <a:ea typeface="微軟正黑體" pitchFamily="34" charset="-120"/>
+              </a:rPr>
+              <a:t>讚</a:t>
+            </a:r>
+            <a:r>
+              <a:rPr lang="zh-CN" altLang="en-US" sz="6400" b="1" dirty="0">
+                <a:solidFill>
+                  <a:srgbClr val="000066"/>
+                </a:solidFill>
+                <a:latin typeface="微軟正黑體" pitchFamily="34" charset="-120"/>
+                <a:ea typeface="微軟正黑體" pitchFamily="34" charset="-120"/>
+              </a:rPr>
+              <a:t>袮</a:t>
+            </a:r>
+            <a:r>
+              <a:rPr lang="zh-TW" altLang="en-US" sz="6400" b="1" dirty="0" smtClean="0">
+                <a:solidFill>
+                  <a:srgbClr val="000066"/>
+                </a:solidFill>
+                <a:latin typeface="微軟正黑體" pitchFamily="34" charset="-120"/>
+                <a:ea typeface="微軟正黑體" pitchFamily="34" charset="-120"/>
+              </a:rPr>
+              <a:t>的</a:t>
+            </a:r>
+            <a:r>
+              <a:rPr lang="zh-TW" altLang="en-US" sz="6400" b="1" dirty="0">
+                <a:solidFill>
+                  <a:srgbClr val="000066"/>
+                </a:solidFill>
+                <a:latin typeface="微軟正黑體" pitchFamily="34" charset="-120"/>
+                <a:ea typeface="微軟正黑體" pitchFamily="34" charset="-120"/>
+              </a:rPr>
+              <a:t>作為，也要傳</a:t>
+            </a:r>
+            <a:r>
+              <a:rPr lang="zh-TW" altLang="en-US" sz="6400" b="1" dirty="0" smtClean="0">
+                <a:solidFill>
+                  <a:srgbClr val="000066"/>
+                </a:solidFill>
+                <a:latin typeface="微軟正黑體" pitchFamily="34" charset="-120"/>
+                <a:ea typeface="微軟正黑體" pitchFamily="34" charset="-120"/>
+              </a:rPr>
+              <a:t>揚</a:t>
+            </a:r>
+            <a:r>
+              <a:rPr lang="zh-CN" altLang="en-US" sz="6400" b="1" dirty="0">
+                <a:solidFill>
+                  <a:srgbClr val="000066"/>
+                </a:solidFill>
+                <a:latin typeface="微軟正黑體" pitchFamily="34" charset="-120"/>
+                <a:ea typeface="微軟正黑體" pitchFamily="34" charset="-120"/>
+              </a:rPr>
+              <a:t>袮</a:t>
+            </a:r>
+            <a:r>
+              <a:rPr lang="zh-TW" altLang="en-US" sz="6400" b="1" dirty="0" smtClean="0">
+                <a:solidFill>
+                  <a:srgbClr val="000066"/>
+                </a:solidFill>
+                <a:latin typeface="微軟正黑體" pitchFamily="34" charset="-120"/>
+                <a:ea typeface="微軟正黑體" pitchFamily="34" charset="-120"/>
+              </a:rPr>
+              <a:t>的</a:t>
+            </a:r>
+            <a:r>
+              <a:rPr lang="zh-TW" altLang="en-US" sz="6400" b="1" dirty="0">
+                <a:solidFill>
+                  <a:srgbClr val="000066"/>
+                </a:solidFill>
+                <a:latin typeface="微軟正黑體" pitchFamily="34" charset="-120"/>
+                <a:ea typeface="微軟正黑體" pitchFamily="34" charset="-120"/>
+              </a:rPr>
+              <a:t>大能。 </a:t>
             </a:r>
           </a:p>
           <a:p>
@@ -3455,7 +3680,37 @@
                 <a:latin typeface="微軟正黑體" pitchFamily="34" charset="-120"/>
                 <a:ea typeface="微軟正黑體" pitchFamily="34" charset="-120"/>
               </a:rPr>
-              <a:t>我</a:t>
+              <a:t>我要默</a:t>
+            </a:r>
+            <a:r>
+              <a:rPr lang="zh-TW" altLang="en-US" sz="6400" dirty="0" smtClean="0">
+                <a:solidFill>
+                  <a:srgbClr val="000066"/>
+                </a:solidFill>
+                <a:latin typeface="微軟正黑體" pitchFamily="34" charset="-120"/>
+                <a:ea typeface="微軟正黑體" pitchFamily="34" charset="-120"/>
+              </a:rPr>
+              <a:t>念</a:t>
+            </a:r>
+            <a:r>
+              <a:rPr lang="zh-CN" altLang="en-US" sz="6400" dirty="0">
+                <a:solidFill>
+                  <a:srgbClr val="000066"/>
+                </a:solidFill>
+                <a:latin typeface="微軟正黑體" pitchFamily="34" charset="-120"/>
+                <a:ea typeface="微軟正黑體" pitchFamily="34" charset="-120"/>
+              </a:rPr>
+              <a:t>袮</a:t>
+            </a:r>
+            <a:r>
+              <a:rPr lang="zh-TW" altLang="en-US" sz="6400" dirty="0" smtClean="0">
+                <a:solidFill>
+                  <a:srgbClr val="000066"/>
+                </a:solidFill>
+                <a:latin typeface="微軟正黑體" pitchFamily="34" charset="-120"/>
+                <a:ea typeface="微軟正黑體" pitchFamily="34" charset="-120"/>
+              </a:rPr>
+              <a:t>威</a:t>
             </a:r>
             <a:r>
               <a:rPr lang="zh-TW" altLang="en-US" sz="6400" dirty="0">
@@ -3465,7 +3720,37 @@
                 <a:latin typeface="微軟正黑體" pitchFamily="34" charset="-120"/>
                 <a:ea typeface="微軟正黑體" pitchFamily="34" charset="-120"/>
               </a:rPr>
-              <a:t>要默念你威嚴的尊榮和你奇妙的作為</a:t>
+              <a:t>嚴的尊榮</a:t>
+            </a:r>
+            <a:r>
+              <a:rPr lang="zh-TW" altLang="en-US" sz="6400" dirty="0" smtClean="0">
+                <a:solidFill>
+                  <a:srgbClr val="000066"/>
+                </a:solidFill>
+                <a:latin typeface="微軟正黑體" pitchFamily="34" charset="-120"/>
+                <a:ea typeface="微軟正黑體" pitchFamily="34" charset="-120"/>
+              </a:rPr>
+              <a:t>和</a:t>
+            </a:r>
+            <a:r>
+              <a:rPr lang="zh-CN" altLang="en-US" sz="6400" dirty="0">
+                <a:solidFill>
+                  <a:srgbClr val="000066"/>
+                </a:solidFill>
+                <a:latin typeface="微軟正黑體" pitchFamily="34" charset="-120"/>
+                <a:ea typeface="微軟正黑體" pitchFamily="34" charset="-120"/>
+              </a:rPr>
+              <a:t>袮</a:t>
+            </a:r>
+            <a:r>
+              <a:rPr lang="zh-TW" altLang="en-US" sz="6400" dirty="0" smtClean="0">
+                <a:solidFill>
+                  <a:srgbClr val="000066"/>
+                </a:solidFill>
+                <a:latin typeface="微軟正黑體" pitchFamily="34" charset="-120"/>
+                <a:ea typeface="微軟正黑體" pitchFamily="34" charset="-120"/>
+              </a:rPr>
+              <a:t>奇</a:t>
             </a:r>
             <a:r>
               <a:rPr lang="zh-TW" altLang="en-US" sz="6400" dirty="0">
@@ -3475,7 +3760,7 @@
                 <a:latin typeface="微軟正黑體" pitchFamily="34" charset="-120"/>
                 <a:ea typeface="微軟正黑體" pitchFamily="34" charset="-120"/>
               </a:rPr>
-              <a:t>。</a:t>
+              <a:t>妙的作為。</a:t>
             </a:r>
             <a:endParaRPr lang="en-US" altLang="zh-TW" sz="6400" dirty="0">
               <a:solidFill>
@@ -3494,7 +3779,87 @@
                 <a:latin typeface="微軟正黑體" pitchFamily="34" charset="-120"/>
                 <a:ea typeface="微軟正黑體" pitchFamily="34" charset="-120"/>
               </a:rPr>
-              <a:t>人要傳說你可畏之事的能力；我也要傳揚你的大德。</a:t>
+              <a:t>人要傳</a:t>
+            </a:r>
+            <a:r>
+              <a:rPr lang="zh-TW" altLang="en-US" sz="6400" b="1" dirty="0" smtClean="0">
+                <a:solidFill>
+                  <a:srgbClr val="000066"/>
+                </a:solidFill>
+                <a:latin typeface="微軟正黑體" pitchFamily="34" charset="-120"/>
+                <a:ea typeface="微軟正黑體" pitchFamily="34" charset="-120"/>
+              </a:rPr>
+              <a:t>說</a:t>
+            </a:r>
+            <a:r>
+              <a:rPr lang="zh-CN" altLang="en-US" sz="6400" b="1" dirty="0">
+                <a:solidFill>
+                  <a:srgbClr val="000066"/>
+                </a:solidFill>
+                <a:latin typeface="微軟正黑體" pitchFamily="34" charset="-120"/>
+                <a:ea typeface="微軟正黑體" pitchFamily="34" charset="-120"/>
+              </a:rPr>
+              <a:t>袮</a:t>
+            </a:r>
+            <a:r>
+              <a:rPr lang="zh-TW" altLang="en-US" sz="6400" b="1" dirty="0" smtClean="0">
+                <a:solidFill>
+                  <a:srgbClr val="000066"/>
+                </a:solidFill>
+                <a:latin typeface="微軟正黑體" pitchFamily="34" charset="-120"/>
+                <a:ea typeface="微軟正黑體" pitchFamily="34" charset="-120"/>
+              </a:rPr>
+              <a:t>可</a:t>
+            </a:r>
+            <a:r>
+              <a:rPr lang="zh-TW" altLang="en-US" sz="6400" b="1" dirty="0">
+                <a:solidFill>
+                  <a:srgbClr val="000066"/>
+                </a:solidFill>
+                <a:latin typeface="微軟正黑體" pitchFamily="34" charset="-120"/>
+                <a:ea typeface="微軟正黑體" pitchFamily="34" charset="-120"/>
+              </a:rPr>
+              <a:t>畏之事的能力；我也要傳</a:t>
+            </a:r>
+            <a:r>
+              <a:rPr lang="zh-TW" altLang="en-US" sz="6400" b="1" dirty="0" smtClean="0">
+                <a:solidFill>
+                  <a:srgbClr val="000066"/>
+                </a:solidFill>
+                <a:latin typeface="微軟正黑體" pitchFamily="34" charset="-120"/>
+                <a:ea typeface="微軟正黑體" pitchFamily="34" charset="-120"/>
+              </a:rPr>
+              <a:t>揚</a:t>
+            </a:r>
+            <a:r>
+              <a:rPr lang="zh-CN" altLang="en-US" sz="6400" b="1" dirty="0">
+                <a:solidFill>
+                  <a:srgbClr val="000066"/>
+                </a:solidFill>
+                <a:latin typeface="微軟正黑體" pitchFamily="34" charset="-120"/>
+                <a:ea typeface="微軟正黑體" pitchFamily="34" charset="-120"/>
+              </a:rPr>
+              <a:t>袮</a:t>
+            </a:r>
+            <a:r>
+              <a:rPr lang="zh-TW" altLang="en-US" sz="6400" b="1" dirty="0" smtClean="0">
+                <a:solidFill>
+                  <a:srgbClr val="000066"/>
+                </a:solidFill>
+                <a:latin typeface="微軟正黑體" pitchFamily="34" charset="-120"/>
+                <a:ea typeface="微軟正黑體" pitchFamily="34" charset="-120"/>
+              </a:rPr>
+              <a:t>的</a:t>
+            </a:r>
+            <a:r>
+              <a:rPr lang="zh-TW" altLang="en-US" sz="6400" b="1" dirty="0">
+                <a:solidFill>
+                  <a:srgbClr val="000066"/>
+                </a:solidFill>
+                <a:latin typeface="微軟正黑體" pitchFamily="34" charset="-120"/>
+                <a:ea typeface="微軟正黑體" pitchFamily="34" charset="-120"/>
+              </a:rPr>
+              <a:t>大德。</a:t>
             </a:r>
             <a:endParaRPr lang="en-US" altLang="zh-TW" sz="6400" b="1" dirty="0">
               <a:solidFill>
@@ -3573,7 +3938,87 @@
                 <a:latin typeface="微軟正黑體" pitchFamily="34" charset="-120"/>
                 <a:ea typeface="微軟正黑體" pitchFamily="34" charset="-120"/>
               </a:rPr>
-              <a:t>他們記念你的大恩就要傳出來，並要歌唱你的公義。</a:t>
+              <a:t>他們記</a:t>
+            </a:r>
+            <a:r>
+              <a:rPr lang="zh-TW" altLang="en-US" sz="6400" dirty="0" smtClean="0">
+                <a:solidFill>
+                  <a:srgbClr val="000066"/>
+                </a:solidFill>
+                <a:latin typeface="微軟正黑體" pitchFamily="34" charset="-120"/>
+                <a:ea typeface="微軟正黑體" pitchFamily="34" charset="-120"/>
+              </a:rPr>
+              <a:t>念</a:t>
+            </a:r>
+            <a:r>
+              <a:rPr lang="zh-CN" altLang="en-US" sz="6400" dirty="0">
+                <a:solidFill>
+                  <a:srgbClr val="000066"/>
+                </a:solidFill>
+                <a:latin typeface="微軟正黑體" pitchFamily="34" charset="-120"/>
+                <a:ea typeface="微軟正黑體" pitchFamily="34" charset="-120"/>
+              </a:rPr>
+              <a:t>袮</a:t>
+            </a:r>
+            <a:r>
+              <a:rPr lang="zh-TW" altLang="en-US" sz="6400" dirty="0" smtClean="0">
+                <a:solidFill>
+                  <a:srgbClr val="000066"/>
+                </a:solidFill>
+                <a:latin typeface="微軟正黑體" pitchFamily="34" charset="-120"/>
+                <a:ea typeface="微軟正黑體" pitchFamily="34" charset="-120"/>
+              </a:rPr>
+              <a:t>的</a:t>
+            </a:r>
+            <a:r>
+              <a:rPr lang="zh-TW" altLang="en-US" sz="6400" dirty="0">
+                <a:solidFill>
+                  <a:srgbClr val="000066"/>
+                </a:solidFill>
+                <a:latin typeface="微軟正黑體" pitchFamily="34" charset="-120"/>
+                <a:ea typeface="微軟正黑體" pitchFamily="34" charset="-120"/>
+              </a:rPr>
+              <a:t>大恩就要傳出來，並要歌</a:t>
+            </a:r>
+            <a:r>
+              <a:rPr lang="zh-TW" altLang="en-US" sz="6400" dirty="0" smtClean="0">
+                <a:solidFill>
+                  <a:srgbClr val="000066"/>
+                </a:solidFill>
+                <a:latin typeface="微軟正黑體" pitchFamily="34" charset="-120"/>
+                <a:ea typeface="微軟正黑體" pitchFamily="34" charset="-120"/>
+              </a:rPr>
+              <a:t>唱</a:t>
+            </a:r>
+            <a:r>
+              <a:rPr lang="zh-CN" altLang="en-US" sz="6400" dirty="0">
+                <a:solidFill>
+                  <a:srgbClr val="000066"/>
+                </a:solidFill>
+                <a:latin typeface="微軟正黑體" pitchFamily="34" charset="-120"/>
+                <a:ea typeface="微軟正黑體" pitchFamily="34" charset="-120"/>
+              </a:rPr>
+              <a:t>袮</a:t>
+            </a:r>
+            <a:r>
+              <a:rPr lang="zh-TW" altLang="en-US" sz="6400" dirty="0" smtClean="0">
+                <a:solidFill>
+                  <a:srgbClr val="000066"/>
+                </a:solidFill>
+                <a:latin typeface="微軟正黑體" pitchFamily="34" charset="-120"/>
+                <a:ea typeface="微軟正黑體" pitchFamily="34" charset="-120"/>
+              </a:rPr>
+              <a:t>的</a:t>
+            </a:r>
+            <a:r>
+              <a:rPr lang="zh-TW" altLang="en-US" sz="6400" dirty="0">
+                <a:solidFill>
+                  <a:srgbClr val="000066"/>
+                </a:solidFill>
+                <a:latin typeface="微軟正黑體" pitchFamily="34" charset="-120"/>
+                <a:ea typeface="微軟正黑體" pitchFamily="34" charset="-120"/>
+              </a:rPr>
+              <a:t>公義。</a:t>
             </a:r>
             <a:r>
               <a:rPr lang="zh-TW" altLang="en-US" dirty="0"/>
@@ -3589,27 +4034,7 @@
                 <a:latin typeface="微軟正黑體" pitchFamily="34" charset="-120"/>
                 <a:ea typeface="微軟正黑體" pitchFamily="34" charset="-120"/>
               </a:rPr>
-              <a:t>耶</a:t>
-            </a:r>
-            <a:r>
-              <a:rPr lang="zh-TW" altLang="en-US" sz="6400" b="1" dirty="0">
-                <a:solidFill>
-                  <a:srgbClr val="000066"/>
-                </a:solidFill>
-                <a:latin typeface="微軟正黑體" pitchFamily="34" charset="-120"/>
-                <a:ea typeface="微軟正黑體" pitchFamily="34" charset="-120"/>
-              </a:rPr>
-              <a:t>和華有恩惠，有憐憫，不輕易發怒，大有慈愛</a:t>
-            </a:r>
-            <a:r>
-              <a:rPr lang="zh-TW" altLang="en-US" sz="6400" b="1" dirty="0">
-                <a:solidFill>
-                  <a:srgbClr val="000066"/>
-                </a:solidFill>
-                <a:latin typeface="微軟正黑體" pitchFamily="34" charset="-120"/>
-                <a:ea typeface="微軟正黑體" pitchFamily="34" charset="-120"/>
-              </a:rPr>
-              <a:t>。</a:t>
+              <a:t>耶和華有恩惠，有憐憫，不輕易發怒，大有慈愛。</a:t>
             </a:r>
             <a:endParaRPr lang="en-US" altLang="zh-TW" sz="6400" b="1" dirty="0">
               <a:solidFill>
@@ -3628,7 +4053,67 @@
                 <a:latin typeface="微軟正黑體" pitchFamily="34" charset="-120"/>
                 <a:ea typeface="微軟正黑體" pitchFamily="34" charset="-120"/>
               </a:rPr>
-              <a:t>耶和華善待萬民；他的慈悲覆庇他一切所造的。</a:t>
+              <a:t>耶和華</a:t>
+            </a:r>
+            <a:r>
+              <a:rPr lang="zh-TW" altLang="en-US" sz="6400" dirty="0" smtClean="0">
+                <a:solidFill>
+                  <a:srgbClr val="000066"/>
+                </a:solidFill>
+                <a:latin typeface="微軟正黑體" pitchFamily="34" charset="-120"/>
+                <a:ea typeface="微軟正黑體" pitchFamily="34" charset="-120"/>
+              </a:rPr>
+              <a:t>善待</a:t>
+            </a:r>
+            <a:r>
+              <a:rPr lang="zh-TW" altLang="en-US" sz="6400" dirty="0">
+                <a:solidFill>
+                  <a:srgbClr val="000066"/>
+                </a:solidFill>
+                <a:latin typeface="微軟正黑體" pitchFamily="34" charset="-120"/>
+                <a:ea typeface="微軟正黑體" pitchFamily="34" charset="-120"/>
+              </a:rPr>
+              <a:t>萬民</a:t>
+            </a:r>
+            <a:r>
+              <a:rPr lang="zh-TW" altLang="en-US" sz="6400" dirty="0" smtClean="0">
+                <a:solidFill>
+                  <a:srgbClr val="000066"/>
+                </a:solidFill>
+                <a:latin typeface="微軟正黑體" pitchFamily="34" charset="-120"/>
+                <a:ea typeface="微軟正黑體" pitchFamily="34" charset="-120"/>
+              </a:rPr>
+              <a:t>；</a:t>
+            </a:r>
+            <a:r>
+              <a:rPr lang="zh-CN" altLang="en-US" sz="6400" dirty="0" smtClean="0">
+                <a:solidFill>
+                  <a:srgbClr val="000066"/>
+                </a:solidFill>
+                <a:latin typeface="微軟正黑體" pitchFamily="34" charset="-120"/>
+                <a:ea typeface="微軟正黑體" pitchFamily="34" charset="-120"/>
+              </a:rPr>
+              <a:t>祂</a:t>
+            </a:r>
+            <a:r>
+              <a:rPr lang="zh-TW" altLang="en-US" sz="6400" dirty="0" smtClean="0">
+                <a:solidFill>
+                  <a:srgbClr val="000066"/>
+                </a:solidFill>
+                <a:latin typeface="微軟正黑體" pitchFamily="34" charset="-120"/>
+                <a:ea typeface="微軟正黑體" pitchFamily="34" charset="-120"/>
+              </a:rPr>
+              <a:t>的</a:t>
+            </a:r>
+            <a:r>
+              <a:rPr lang="zh-TW" altLang="en-US" sz="6400" dirty="0">
+                <a:solidFill>
+                  <a:srgbClr val="000066"/>
+                </a:solidFill>
+                <a:latin typeface="微軟正黑體" pitchFamily="34" charset="-120"/>
+                <a:ea typeface="微軟正黑體" pitchFamily="34" charset="-120"/>
+              </a:rPr>
+              <a:t>慈悲覆庇他一切所造的。</a:t>
             </a:r>
             <a:endParaRPr lang="en-US" altLang="zh-TW" sz="6400" dirty="0">
               <a:solidFill>
@@ -3707,7 +4192,137 @@
                 <a:latin typeface="微軟正黑體" pitchFamily="34" charset="-120"/>
                 <a:ea typeface="微軟正黑體" pitchFamily="34" charset="-120"/>
               </a:rPr>
-              <a:t>耶和華啊，你一切所造的都要稱謝你；你的聖民也要稱頌你，</a:t>
+              <a:t>耶和華啊</a:t>
+            </a:r>
+            <a:r>
+              <a:rPr lang="zh-TW" altLang="en-US" sz="6400" b="1" dirty="0" smtClean="0">
+                <a:solidFill>
+                  <a:srgbClr val="000066"/>
+                </a:solidFill>
+                <a:latin typeface="微軟正黑體" pitchFamily="34" charset="-120"/>
+                <a:ea typeface="微軟正黑體" pitchFamily="34" charset="-120"/>
+              </a:rPr>
+              <a:t>，</a:t>
+            </a:r>
+            <a:r>
+              <a:rPr lang="zh-CN" altLang="en-US" sz="6400" b="1" dirty="0">
+                <a:solidFill>
+                  <a:srgbClr val="000066"/>
+                </a:solidFill>
+                <a:latin typeface="微軟正黑體" pitchFamily="34" charset="-120"/>
+                <a:ea typeface="微軟正黑體" pitchFamily="34" charset="-120"/>
+              </a:rPr>
+              <a:t>袮</a:t>
+            </a:r>
+            <a:r>
+              <a:rPr lang="zh-TW" altLang="en-US" sz="6400" b="1" dirty="0" smtClean="0">
+                <a:solidFill>
+                  <a:srgbClr val="000066"/>
+                </a:solidFill>
+                <a:latin typeface="微軟正黑體" pitchFamily="34" charset="-120"/>
+                <a:ea typeface="微軟正黑體" pitchFamily="34" charset="-120"/>
+              </a:rPr>
+              <a:t>一</a:t>
+            </a:r>
+            <a:r>
+              <a:rPr lang="zh-TW" altLang="en-US" sz="6400" b="1" dirty="0">
+                <a:solidFill>
+                  <a:srgbClr val="000066"/>
+                </a:solidFill>
+                <a:latin typeface="微軟正黑體" pitchFamily="34" charset="-120"/>
+                <a:ea typeface="微軟正黑體" pitchFamily="34" charset="-120"/>
+              </a:rPr>
+              <a:t>切所造的都要稱</a:t>
+            </a:r>
+            <a:r>
+              <a:rPr lang="zh-TW" altLang="en-US" sz="6400" b="1" dirty="0" smtClean="0">
+                <a:solidFill>
+                  <a:srgbClr val="000066"/>
+                </a:solidFill>
+                <a:latin typeface="微軟正黑體" pitchFamily="34" charset="-120"/>
+                <a:ea typeface="微軟正黑體" pitchFamily="34" charset="-120"/>
+              </a:rPr>
+              <a:t>謝</a:t>
+            </a:r>
+            <a:r>
+              <a:rPr lang="zh-CN" altLang="en-US" sz="6400" b="1" dirty="0">
+                <a:solidFill>
+                  <a:srgbClr val="000066"/>
+                </a:solidFill>
+                <a:latin typeface="微軟正黑體" pitchFamily="34" charset="-120"/>
+                <a:ea typeface="微軟正黑體" pitchFamily="34" charset="-120"/>
+              </a:rPr>
+              <a:t>袮</a:t>
+            </a:r>
+            <a:r>
+              <a:rPr lang="zh-TW" altLang="en-US" sz="6400" b="1" dirty="0" smtClean="0">
+                <a:solidFill>
+                  <a:srgbClr val="000066"/>
+                </a:solidFill>
+                <a:latin typeface="微軟正黑體" pitchFamily="34" charset="-120"/>
+                <a:ea typeface="微軟正黑體" pitchFamily="34" charset="-120"/>
+              </a:rPr>
+              <a:t>；</a:t>
+            </a:r>
+            <a:r>
+              <a:rPr lang="zh-CN" altLang="en-US" sz="6400" b="1" dirty="0">
+                <a:solidFill>
+                  <a:srgbClr val="000066"/>
+                </a:solidFill>
+                <a:latin typeface="微軟正黑體" pitchFamily="34" charset="-120"/>
+                <a:ea typeface="微軟正黑體" pitchFamily="34" charset="-120"/>
+              </a:rPr>
+              <a:t>袮</a:t>
+            </a:r>
+            <a:r>
+              <a:rPr lang="zh-TW" altLang="en-US" sz="6400" b="1" dirty="0" smtClean="0">
+                <a:solidFill>
+                  <a:srgbClr val="000066"/>
+                </a:solidFill>
+                <a:latin typeface="微軟正黑體" pitchFamily="34" charset="-120"/>
+                <a:ea typeface="微軟正黑體" pitchFamily="34" charset="-120"/>
+              </a:rPr>
+              <a:t>的</a:t>
+            </a:r>
+            <a:r>
+              <a:rPr lang="zh-TW" altLang="en-US" sz="6400" b="1" dirty="0">
+                <a:solidFill>
+                  <a:srgbClr val="000066"/>
+                </a:solidFill>
+                <a:latin typeface="微軟正黑體" pitchFamily="34" charset="-120"/>
+                <a:ea typeface="微軟正黑體" pitchFamily="34" charset="-120"/>
+              </a:rPr>
+              <a:t>聖民也要稱</a:t>
+            </a:r>
+            <a:r>
+              <a:rPr lang="zh-TW" altLang="en-US" sz="6400" b="1" dirty="0" smtClean="0">
+                <a:solidFill>
+                  <a:srgbClr val="000066"/>
+                </a:solidFill>
+                <a:latin typeface="微軟正黑體" pitchFamily="34" charset="-120"/>
+                <a:ea typeface="微軟正黑體" pitchFamily="34" charset="-120"/>
+              </a:rPr>
+              <a:t>頌</a:t>
+            </a:r>
+            <a:r>
+              <a:rPr lang="zh-CN" altLang="en-US" sz="6400" b="1" dirty="0">
+                <a:solidFill>
+                  <a:srgbClr val="000066"/>
+                </a:solidFill>
+                <a:latin typeface="微軟正黑體" pitchFamily="34" charset="-120"/>
+                <a:ea typeface="微軟正黑體" pitchFamily="34" charset="-120"/>
+              </a:rPr>
+              <a:t>袮</a:t>
+            </a:r>
+            <a:r>
+              <a:rPr lang="zh-TW" altLang="en-US" sz="6400" b="1" dirty="0" smtClean="0">
+                <a:solidFill>
+                  <a:srgbClr val="000066"/>
+                </a:solidFill>
+                <a:latin typeface="微軟正黑體" pitchFamily="34" charset="-120"/>
+                <a:ea typeface="微軟正黑體" pitchFamily="34" charset="-120"/>
+              </a:rPr>
+              <a:t>，</a:t>
             </a:r>
             <a:r>
               <a:rPr lang="zh-TW" altLang="en-US" dirty="0"/>
@@ -3726,6 +4341,36 @@
               <a:t>傳</a:t>
             </a:r>
             <a:r>
+              <a:rPr lang="zh-TW" altLang="en-US" sz="6400" dirty="0" smtClean="0">
+                <a:solidFill>
+                  <a:srgbClr val="000066"/>
+                </a:solidFill>
+                <a:latin typeface="微軟正黑體" pitchFamily="34" charset="-120"/>
+                <a:ea typeface="微軟正黑體" pitchFamily="34" charset="-120"/>
+              </a:rPr>
+              <a:t>說</a:t>
+            </a:r>
+            <a:r>
+              <a:rPr lang="zh-CN" altLang="en-US" sz="6400" dirty="0">
+                <a:solidFill>
+                  <a:srgbClr val="000066"/>
+                </a:solidFill>
+                <a:latin typeface="微軟正黑體" pitchFamily="34" charset="-120"/>
+                <a:ea typeface="微軟正黑體" pitchFamily="34" charset="-120"/>
+              </a:rPr>
+              <a:t>袮</a:t>
+            </a:r>
+            <a:r>
+              <a:rPr lang="zh-TW" altLang="en-US" sz="6400" dirty="0" smtClean="0">
+                <a:solidFill>
+                  <a:srgbClr val="000066"/>
+                </a:solidFill>
+                <a:latin typeface="微軟正黑體" pitchFamily="34" charset="-120"/>
+                <a:ea typeface="微軟正黑體" pitchFamily="34" charset="-120"/>
+              </a:rPr>
+              <a:t>國</a:t>
+            </a:r>
+            <a:r>
               <a:rPr lang="zh-TW" altLang="en-US" sz="6400" dirty="0">
                 <a:solidFill>
                   <a:srgbClr val="000066"/>
@@ -3733,7 +4378,37 @@
                 <a:latin typeface="微軟正黑體" pitchFamily="34" charset="-120"/>
                 <a:ea typeface="微軟正黑體" pitchFamily="34" charset="-120"/>
               </a:rPr>
-              <a:t>說你國的榮耀，談論你的大</a:t>
+              <a:t>的榮耀，談</a:t>
+            </a:r>
+            <a:r>
+              <a:rPr lang="zh-TW" altLang="en-US" sz="6400" dirty="0" smtClean="0">
+                <a:solidFill>
+                  <a:srgbClr val="000066"/>
+                </a:solidFill>
+                <a:latin typeface="微軟正黑體" pitchFamily="34" charset="-120"/>
+                <a:ea typeface="微軟正黑體" pitchFamily="34" charset="-120"/>
+              </a:rPr>
+              <a:t>論</a:t>
+            </a:r>
+            <a:r>
+              <a:rPr lang="zh-CN" altLang="en-US" sz="6400" dirty="0">
+                <a:solidFill>
+                  <a:srgbClr val="000066"/>
+                </a:solidFill>
+                <a:latin typeface="微軟正黑體" pitchFamily="34" charset="-120"/>
+                <a:ea typeface="微軟正黑體" pitchFamily="34" charset="-120"/>
+              </a:rPr>
+              <a:t>袮</a:t>
+            </a:r>
+            <a:r>
+              <a:rPr lang="zh-TW" altLang="en-US" sz="6400" dirty="0" smtClean="0">
+                <a:solidFill>
+                  <a:srgbClr val="000066"/>
+                </a:solidFill>
+                <a:latin typeface="微軟正黑體" pitchFamily="34" charset="-120"/>
+                <a:ea typeface="微軟正黑體" pitchFamily="34" charset="-120"/>
+              </a:rPr>
+              <a:t>的</a:t>
             </a:r>
             <a:r>
               <a:rPr lang="zh-TW" altLang="en-US" sz="6400" dirty="0">
@@ -3743,7 +4418,7 @@
                 <a:latin typeface="微軟正黑體" pitchFamily="34" charset="-120"/>
                 <a:ea typeface="微軟正黑體" pitchFamily="34" charset="-120"/>
               </a:rPr>
-              <a:t>能</a:t>
+              <a:t>大能</a:t>
             </a:r>
             <a:r>
               <a:rPr lang="zh-TW" altLang="en-US" sz="6400" dirty="0" smtClean="0">
@@ -3842,7 +4517,87 @@
                 <a:latin typeface="微軟正黑體" pitchFamily="34" charset="-120"/>
                 <a:ea typeface="微軟正黑體" pitchFamily="34" charset="-120"/>
               </a:rPr>
-              <a:t>叫世人知道你大能的作為，並你國度威嚴的榮耀</a:t>
+              <a:t>叫世人知</a:t>
+            </a:r>
+            <a:r>
+              <a:rPr lang="zh-TW" altLang="en-US" sz="6400" b="1" dirty="0" smtClean="0">
+                <a:solidFill>
+                  <a:srgbClr val="000066"/>
+                </a:solidFill>
+                <a:latin typeface="微軟正黑體" pitchFamily="34" charset="-120"/>
+                <a:ea typeface="微軟正黑體" pitchFamily="34" charset="-120"/>
+              </a:rPr>
+              <a:t>道</a:t>
+            </a:r>
+            <a:r>
+              <a:rPr lang="zh-CN" altLang="en-US" sz="6400" b="1" dirty="0">
+                <a:solidFill>
+                  <a:srgbClr val="000066"/>
+                </a:solidFill>
+                <a:latin typeface="微軟正黑體" pitchFamily="34" charset="-120"/>
+                <a:ea typeface="微軟正黑體" pitchFamily="34" charset="-120"/>
+              </a:rPr>
+              <a:t>袮</a:t>
+            </a:r>
+            <a:r>
+              <a:rPr lang="zh-TW" altLang="en-US" sz="6400" b="1" dirty="0" smtClean="0">
+                <a:solidFill>
+                  <a:srgbClr val="000066"/>
+                </a:solidFill>
+                <a:latin typeface="微軟正黑體" pitchFamily="34" charset="-120"/>
+                <a:ea typeface="微軟正黑體" pitchFamily="34" charset="-120"/>
+              </a:rPr>
+              <a:t>大</a:t>
+            </a:r>
+            <a:r>
+              <a:rPr lang="zh-TW" altLang="en-US" sz="6400" b="1" dirty="0">
+                <a:solidFill>
+                  <a:srgbClr val="000066"/>
+                </a:solidFill>
+                <a:latin typeface="微軟正黑體" pitchFamily="34" charset="-120"/>
+                <a:ea typeface="微軟正黑體" pitchFamily="34" charset="-120"/>
+              </a:rPr>
+              <a:t>能的作為，</a:t>
+            </a:r>
+            <a:r>
+              <a:rPr lang="zh-TW" altLang="en-US" sz="6400" b="1" dirty="0" smtClean="0">
+                <a:solidFill>
+                  <a:srgbClr val="000066"/>
+                </a:solidFill>
+                <a:latin typeface="微軟正黑體" pitchFamily="34" charset="-120"/>
+                <a:ea typeface="微軟正黑體" pitchFamily="34" charset="-120"/>
+              </a:rPr>
+              <a:t>並</a:t>
+            </a:r>
+            <a:r>
+              <a:rPr lang="zh-CN" altLang="en-US" sz="6400" b="1" dirty="0">
+                <a:solidFill>
+                  <a:srgbClr val="000066"/>
+                </a:solidFill>
+                <a:latin typeface="微軟正黑體" pitchFamily="34" charset="-120"/>
+                <a:ea typeface="微軟正黑體" pitchFamily="34" charset="-120"/>
+              </a:rPr>
+              <a:t>袮</a:t>
+            </a:r>
+            <a:r>
+              <a:rPr lang="zh-TW" altLang="en-US" sz="6400" b="1" dirty="0" smtClean="0">
+                <a:solidFill>
+                  <a:srgbClr val="000066"/>
+                </a:solidFill>
+                <a:latin typeface="微軟正黑體" pitchFamily="34" charset="-120"/>
+                <a:ea typeface="微軟正黑體" pitchFamily="34" charset="-120"/>
+              </a:rPr>
+              <a:t>國</a:t>
+            </a:r>
+            <a:r>
+              <a:rPr lang="zh-TW" altLang="en-US" sz="6400" b="1" dirty="0">
+                <a:solidFill>
+                  <a:srgbClr val="000066"/>
+                </a:solidFill>
+                <a:latin typeface="微軟正黑體" pitchFamily="34" charset="-120"/>
+                <a:ea typeface="微軟正黑體" pitchFamily="34" charset="-120"/>
+              </a:rPr>
+              <a:t>度威嚴的榮耀</a:t>
             </a:r>
             <a:r>
               <a:rPr lang="zh-TW" altLang="en-US" sz="6400" b="1" dirty="0" smtClean="0">
@@ -3864,6 +4619,26 @@
           </a:p>
           <a:p>
             <a:r>
+              <a:rPr lang="zh-CN" altLang="en-US" sz="6400" dirty="0">
+                <a:solidFill>
+                  <a:srgbClr val="000066"/>
+                </a:solidFill>
+                <a:latin typeface="微軟正黑體" pitchFamily="34" charset="-120"/>
+                <a:ea typeface="微軟正黑體" pitchFamily="34" charset="-120"/>
+              </a:rPr>
+              <a:t>袮</a:t>
+            </a:r>
+            <a:r>
+              <a:rPr lang="zh-TW" altLang="en-US" sz="6400" dirty="0" smtClean="0">
+                <a:solidFill>
+                  <a:srgbClr val="000066"/>
+                </a:solidFill>
+                <a:latin typeface="微軟正黑體" pitchFamily="34" charset="-120"/>
+                <a:ea typeface="微軟正黑體" pitchFamily="34" charset="-120"/>
+              </a:rPr>
+              <a:t>的</a:t>
+            </a:r>
+            <a:r>
               <a:rPr lang="zh-TW" altLang="en-US" sz="6400" dirty="0">
                 <a:solidFill>
                   <a:srgbClr val="000066"/>
@@ -3871,7 +4646,47 @@
                 <a:latin typeface="微軟正黑體" pitchFamily="34" charset="-120"/>
                 <a:ea typeface="微軟正黑體" pitchFamily="34" charset="-120"/>
               </a:rPr>
-              <a:t>你的國是永遠的國！你執掌的權柄存到萬代！</a:t>
+              <a:t>國是永遠的國</a:t>
+            </a:r>
+            <a:r>
+              <a:rPr lang="zh-TW" altLang="en-US" sz="6400" dirty="0" smtClean="0">
+                <a:solidFill>
+                  <a:srgbClr val="000066"/>
+                </a:solidFill>
+                <a:latin typeface="微軟正黑體" pitchFamily="34" charset="-120"/>
+                <a:ea typeface="微軟正黑體" pitchFamily="34" charset="-120"/>
+              </a:rPr>
+              <a:t>！</a:t>
+            </a:r>
+            <a:r>
+              <a:rPr lang="zh-CN" altLang="en-US" sz="6400" dirty="0">
+                <a:solidFill>
+                  <a:srgbClr val="000066"/>
+                </a:solidFill>
+                <a:latin typeface="微軟正黑體" pitchFamily="34" charset="-120"/>
+                <a:ea typeface="微軟正黑體" pitchFamily="34" charset="-120"/>
+              </a:rPr>
+              <a:t>袮</a:t>
+            </a:r>
+            <a:r>
+              <a:rPr lang="zh-TW" altLang="en-US" sz="6400" dirty="0" smtClean="0">
+                <a:solidFill>
+                  <a:srgbClr val="000066"/>
+                </a:solidFill>
+                <a:latin typeface="微軟正黑體" pitchFamily="34" charset="-120"/>
+                <a:ea typeface="微軟正黑體" pitchFamily="34" charset="-120"/>
+              </a:rPr>
+              <a:t>執</a:t>
+            </a:r>
+            <a:r>
+              <a:rPr lang="zh-TW" altLang="en-US" sz="6400" dirty="0">
+                <a:solidFill>
+                  <a:srgbClr val="000066"/>
+                </a:solidFill>
+                <a:latin typeface="微軟正黑體" pitchFamily="34" charset="-120"/>
+                <a:ea typeface="微軟正黑體" pitchFamily="34" charset="-120"/>
+              </a:rPr>
+              <a:t>掌的權柄存到萬代！</a:t>
             </a:r>
             <a:endParaRPr lang="en-US" altLang="zh-TW" sz="6400" dirty="0">
               <a:solidFill>
